--- a/docs/[20240112]재고관리 시스템 기획서_v.0.0.1.pptx
+++ b/docs/[20240112]재고관리 시스템 기획서_v.0.0.1.pptx
@@ -292,7 +292,7 @@
           <a:p>
             <a:fld id="{8E86F16B-3E2E-4002-8653-2EC2798220CD}" type="datetimeFigureOut">
               <a:rPr lang="ko-KR" altLang="en-US" smtClean="0"/>
-              <a:t>2024-01-12</a:t>
+              <a:t>2024-02-06</a:t>
             </a:fld>
             <a:endParaRPr lang="ko-KR" altLang="en-US"/>
           </a:p>
@@ -490,7 +490,7 @@
           <a:p>
             <a:fld id="{8E86F16B-3E2E-4002-8653-2EC2798220CD}" type="datetimeFigureOut">
               <a:rPr lang="ko-KR" altLang="en-US" smtClean="0"/>
-              <a:t>2024-01-12</a:t>
+              <a:t>2024-02-06</a:t>
             </a:fld>
             <a:endParaRPr lang="ko-KR" altLang="en-US"/>
           </a:p>
@@ -698,7 +698,7 @@
           <a:p>
             <a:fld id="{8E86F16B-3E2E-4002-8653-2EC2798220CD}" type="datetimeFigureOut">
               <a:rPr lang="ko-KR" altLang="en-US" smtClean="0"/>
-              <a:t>2024-01-12</a:t>
+              <a:t>2024-02-06</a:t>
             </a:fld>
             <a:endParaRPr lang="ko-KR" altLang="en-US"/>
           </a:p>
@@ -896,7 +896,7 @@
           <a:p>
             <a:fld id="{8E86F16B-3E2E-4002-8653-2EC2798220CD}" type="datetimeFigureOut">
               <a:rPr lang="ko-KR" altLang="en-US" smtClean="0"/>
-              <a:t>2024-01-12</a:t>
+              <a:t>2024-02-06</a:t>
             </a:fld>
             <a:endParaRPr lang="ko-KR" altLang="en-US"/>
           </a:p>
@@ -1171,7 +1171,7 @@
           <a:p>
             <a:fld id="{8E86F16B-3E2E-4002-8653-2EC2798220CD}" type="datetimeFigureOut">
               <a:rPr lang="ko-KR" altLang="en-US" smtClean="0"/>
-              <a:t>2024-01-12</a:t>
+              <a:t>2024-02-06</a:t>
             </a:fld>
             <a:endParaRPr lang="ko-KR" altLang="en-US"/>
           </a:p>
@@ -1436,7 +1436,7 @@
           <a:p>
             <a:fld id="{8E86F16B-3E2E-4002-8653-2EC2798220CD}" type="datetimeFigureOut">
               <a:rPr lang="ko-KR" altLang="en-US" smtClean="0"/>
-              <a:t>2024-01-12</a:t>
+              <a:t>2024-02-06</a:t>
             </a:fld>
             <a:endParaRPr lang="ko-KR" altLang="en-US"/>
           </a:p>
@@ -1848,7 +1848,7 @@
           <a:p>
             <a:fld id="{8E86F16B-3E2E-4002-8653-2EC2798220CD}" type="datetimeFigureOut">
               <a:rPr lang="ko-KR" altLang="en-US" smtClean="0"/>
-              <a:t>2024-01-12</a:t>
+              <a:t>2024-02-06</a:t>
             </a:fld>
             <a:endParaRPr lang="ko-KR" altLang="en-US"/>
           </a:p>
@@ -1989,7 +1989,7 @@
           <a:p>
             <a:fld id="{8E86F16B-3E2E-4002-8653-2EC2798220CD}" type="datetimeFigureOut">
               <a:rPr lang="ko-KR" altLang="en-US" smtClean="0"/>
-              <a:t>2024-01-12</a:t>
+              <a:t>2024-02-06</a:t>
             </a:fld>
             <a:endParaRPr lang="ko-KR" altLang="en-US"/>
           </a:p>
@@ -2102,7 +2102,7 @@
           <a:p>
             <a:fld id="{8E86F16B-3E2E-4002-8653-2EC2798220CD}" type="datetimeFigureOut">
               <a:rPr lang="ko-KR" altLang="en-US" smtClean="0"/>
-              <a:t>2024-01-12</a:t>
+              <a:t>2024-02-06</a:t>
             </a:fld>
             <a:endParaRPr lang="ko-KR" altLang="en-US"/>
           </a:p>
@@ -2413,7 +2413,7 @@
           <a:p>
             <a:fld id="{8E86F16B-3E2E-4002-8653-2EC2798220CD}" type="datetimeFigureOut">
               <a:rPr lang="ko-KR" altLang="en-US" smtClean="0"/>
-              <a:t>2024-01-12</a:t>
+              <a:t>2024-02-06</a:t>
             </a:fld>
             <a:endParaRPr lang="ko-KR" altLang="en-US"/>
           </a:p>
@@ -2701,7 +2701,7 @@
           <a:p>
             <a:fld id="{8E86F16B-3E2E-4002-8653-2EC2798220CD}" type="datetimeFigureOut">
               <a:rPr lang="ko-KR" altLang="en-US" smtClean="0"/>
-              <a:t>2024-01-12</a:t>
+              <a:t>2024-02-06</a:t>
             </a:fld>
             <a:endParaRPr lang="ko-KR" altLang="en-US"/>
           </a:p>
@@ -2942,7 +2942,7 @@
           <a:p>
             <a:fld id="{8E86F16B-3E2E-4002-8653-2EC2798220CD}" type="datetimeFigureOut">
               <a:rPr lang="ko-KR" altLang="en-US" smtClean="0"/>
-              <a:t>2024-01-12</a:t>
+              <a:t>2024-02-06</a:t>
             </a:fld>
             <a:endParaRPr lang="ko-KR" altLang="en-US"/>
           </a:p>
@@ -7305,12 +7305,16 @@
               <a:t>화면 설계 </a:t>
             </a:r>
             <a:r>
-              <a:rPr lang="en-US" altLang="ko-KR" dirty="0"/>
+              <a:rPr lang="en-US" altLang="ko-KR"/>
               <a:t>– </a:t>
             </a:r>
             <a:r>
+              <a:rPr lang="ko-KR" altLang="en-US"/>
+              <a:t>재고 </a:t>
+            </a:r>
+            <a:r>
               <a:rPr lang="ko-KR" altLang="en-US" dirty="0"/>
-              <a:t>상품 목록</a:t>
+              <a:t>목록</a:t>
             </a:r>
           </a:p>
         </p:txBody>
